--- a/figures.pptx
+++ b/figures.pptx
@@ -7,6 +7,7 @@
   <p:sldIdLst>
     <p:sldId id="256" r:id="rId2"/>
     <p:sldId id="257" r:id="rId3"/>
+    <p:sldId id="258" r:id="rId4"/>
   </p:sldIdLst>
   <p:sldSz cx="12192000" cy="6858000"/>
   <p:notesSz cx="6858000" cy="9144000"/>
@@ -105,6 +106,11 @@
       </a:defRPr>
     </a:lvl9pPr>
   </p:defaultTextStyle>
+  <p:extLst>
+    <p:ext uri="{EFAFB233-063F-42B5-8137-9DF3F51BA10A}">
+      <p15:sldGuideLst xmlns:p15="http://schemas.microsoft.com/office/powerpoint/2012/main"/>
+    </p:ext>
+  </p:extLst>
 </p:presentation>
 </file>
 
@@ -255,7 +261,7 @@
           <a:p>
             <a:fld id="{67DC64A1-E725-DB46-BA8A-18244830AE02}" type="datetimeFigureOut">
               <a:rPr lang="en-US" smtClean="0"/>
-              <a:t>7/7/20</a:t>
+              <a:t>8/4/20</a:t>
             </a:fld>
             <a:endParaRPr lang="en-US"/>
           </a:p>
@@ -453,7 +459,7 @@
           <a:p>
             <a:fld id="{67DC64A1-E725-DB46-BA8A-18244830AE02}" type="datetimeFigureOut">
               <a:rPr lang="en-US" smtClean="0"/>
-              <a:t>7/7/20</a:t>
+              <a:t>8/4/20</a:t>
             </a:fld>
             <a:endParaRPr lang="en-US"/>
           </a:p>
@@ -661,7 +667,7 @@
           <a:p>
             <a:fld id="{67DC64A1-E725-DB46-BA8A-18244830AE02}" type="datetimeFigureOut">
               <a:rPr lang="en-US" smtClean="0"/>
-              <a:t>7/7/20</a:t>
+              <a:t>8/4/20</a:t>
             </a:fld>
             <a:endParaRPr lang="en-US"/>
           </a:p>
@@ -859,7 +865,7 @@
           <a:p>
             <a:fld id="{67DC64A1-E725-DB46-BA8A-18244830AE02}" type="datetimeFigureOut">
               <a:rPr lang="en-US" smtClean="0"/>
-              <a:t>7/7/20</a:t>
+              <a:t>8/4/20</a:t>
             </a:fld>
             <a:endParaRPr lang="en-US"/>
           </a:p>
@@ -1134,7 +1140,7 @@
           <a:p>
             <a:fld id="{67DC64A1-E725-DB46-BA8A-18244830AE02}" type="datetimeFigureOut">
               <a:rPr lang="en-US" smtClean="0"/>
-              <a:t>7/7/20</a:t>
+              <a:t>8/4/20</a:t>
             </a:fld>
             <a:endParaRPr lang="en-US"/>
           </a:p>
@@ -1399,7 +1405,7 @@
           <a:p>
             <a:fld id="{67DC64A1-E725-DB46-BA8A-18244830AE02}" type="datetimeFigureOut">
               <a:rPr lang="en-US" smtClean="0"/>
-              <a:t>7/7/20</a:t>
+              <a:t>8/4/20</a:t>
             </a:fld>
             <a:endParaRPr lang="en-US"/>
           </a:p>
@@ -1811,7 +1817,7 @@
           <a:p>
             <a:fld id="{67DC64A1-E725-DB46-BA8A-18244830AE02}" type="datetimeFigureOut">
               <a:rPr lang="en-US" smtClean="0"/>
-              <a:t>7/7/20</a:t>
+              <a:t>8/4/20</a:t>
             </a:fld>
             <a:endParaRPr lang="en-US"/>
           </a:p>
@@ -1952,7 +1958,7 @@
           <a:p>
             <a:fld id="{67DC64A1-E725-DB46-BA8A-18244830AE02}" type="datetimeFigureOut">
               <a:rPr lang="en-US" smtClean="0"/>
-              <a:t>7/7/20</a:t>
+              <a:t>8/4/20</a:t>
             </a:fld>
             <a:endParaRPr lang="en-US"/>
           </a:p>
@@ -2065,7 +2071,7 @@
           <a:p>
             <a:fld id="{67DC64A1-E725-DB46-BA8A-18244830AE02}" type="datetimeFigureOut">
               <a:rPr lang="en-US" smtClean="0"/>
-              <a:t>7/7/20</a:t>
+              <a:t>8/4/20</a:t>
             </a:fld>
             <a:endParaRPr lang="en-US"/>
           </a:p>
@@ -2376,7 +2382,7 @@
           <a:p>
             <a:fld id="{67DC64A1-E725-DB46-BA8A-18244830AE02}" type="datetimeFigureOut">
               <a:rPr lang="en-US" smtClean="0"/>
-              <a:t>7/7/20</a:t>
+              <a:t>8/4/20</a:t>
             </a:fld>
             <a:endParaRPr lang="en-US"/>
           </a:p>
@@ -2664,7 +2670,7 @@
           <a:p>
             <a:fld id="{67DC64A1-E725-DB46-BA8A-18244830AE02}" type="datetimeFigureOut">
               <a:rPr lang="en-US" smtClean="0"/>
-              <a:t>7/7/20</a:t>
+              <a:t>8/4/20</a:t>
             </a:fld>
             <a:endParaRPr lang="en-US"/>
           </a:p>
@@ -2905,7 +2911,7 @@
           <a:p>
             <a:fld id="{67DC64A1-E725-DB46-BA8A-18244830AE02}" type="datetimeFigureOut">
               <a:rPr lang="en-US" smtClean="0"/>
-              <a:t>7/7/20</a:t>
+              <a:t>8/4/20</a:t>
             </a:fld>
             <a:endParaRPr lang="en-US"/>
           </a:p>
@@ -4224,8 +4230,8 @@
           </a:graphicData>
         </a:graphic>
       </p:graphicFrame>
-      <mc:AlternateContent xmlns:mc="http://schemas.openxmlformats.org/markup-compatibility/2006">
-        <mc:Choice xmlns:a14="http://schemas.microsoft.com/office/drawing/2010/main" Requires="a14">
+      <mc:AlternateContent xmlns:mc="http://schemas.openxmlformats.org/markup-compatibility/2006" xmlns:a14="http://schemas.microsoft.com/office/drawing/2010/main">
+        <mc:Choice Requires="a14">
           <p:sp>
             <p:nvSpPr>
               <p:cNvPr id="7" name="TextBox 6">
@@ -4254,6 +4260,7 @@
               </a:bodyPr>
               <a:lstStyle/>
               <a:p>
+                <a:pPr/>
                 <a14:m>
                   <m:oMathPara xmlns:m="http://schemas.openxmlformats.org/officeDocument/2006/math">
                     <m:oMathParaPr>
@@ -4293,7 +4300,7 @@
             </p:txBody>
           </p:sp>
         </mc:Choice>
-        <mc:Fallback>
+        <mc:Fallback xmlns="">
           <p:sp>
             <p:nvSpPr>
               <p:cNvPr id="7" name="TextBox 6">
@@ -4338,8 +4345,8 @@
           </p:sp>
         </mc:Fallback>
       </mc:AlternateContent>
-      <mc:AlternateContent xmlns:mc="http://schemas.openxmlformats.org/markup-compatibility/2006">
-        <mc:Choice xmlns:a14="http://schemas.microsoft.com/office/drawing/2010/main" Requires="a14">
+      <mc:AlternateContent xmlns:mc="http://schemas.openxmlformats.org/markup-compatibility/2006" xmlns:a14="http://schemas.microsoft.com/office/drawing/2010/main">
+        <mc:Choice Requires="a14">
           <p:sp>
             <p:nvSpPr>
               <p:cNvPr id="8" name="TextBox 7">
@@ -4368,6 +4375,7 @@
               </a:bodyPr>
               <a:lstStyle/>
               <a:p>
+                <a:pPr/>
                 <a14:m>
                   <m:oMathPara xmlns:m="http://schemas.openxmlformats.org/officeDocument/2006/math">
                     <m:oMathParaPr>
@@ -4407,7 +4415,7 @@
             </p:txBody>
           </p:sp>
         </mc:Choice>
-        <mc:Fallback>
+        <mc:Fallback xmlns="">
           <p:sp>
             <p:nvSpPr>
               <p:cNvPr id="8" name="TextBox 7">
@@ -4452,8 +4460,8 @@
           </p:sp>
         </mc:Fallback>
       </mc:AlternateContent>
-      <mc:AlternateContent xmlns:mc="http://schemas.openxmlformats.org/markup-compatibility/2006">
-        <mc:Choice xmlns:a14="http://schemas.microsoft.com/office/drawing/2010/main" Requires="a14">
+      <mc:AlternateContent xmlns:mc="http://schemas.openxmlformats.org/markup-compatibility/2006" xmlns:a14="http://schemas.microsoft.com/office/drawing/2010/main">
+        <mc:Choice Requires="a14">
           <p:sp>
             <p:nvSpPr>
               <p:cNvPr id="9" name="Rectangle 8">
@@ -4546,7 +4554,7 @@
             </p:txBody>
           </p:sp>
         </mc:Choice>
-        <mc:Fallback>
+        <mc:Fallback xmlns="">
           <p:sp>
             <p:nvSpPr>
               <p:cNvPr id="9" name="Rectangle 8">
@@ -4591,8 +4599,8 @@
           </p:sp>
         </mc:Fallback>
       </mc:AlternateContent>
-      <mc:AlternateContent xmlns:mc="http://schemas.openxmlformats.org/markup-compatibility/2006">
-        <mc:Choice xmlns:a14="http://schemas.microsoft.com/office/drawing/2010/main" Requires="a14">
+      <mc:AlternateContent xmlns:mc="http://schemas.openxmlformats.org/markup-compatibility/2006" xmlns:a14="http://schemas.microsoft.com/office/drawing/2010/main">
+        <mc:Choice Requires="a14">
           <p:sp>
             <p:nvSpPr>
               <p:cNvPr id="10" name="Rectangle 9">
@@ -4688,7 +4696,7 @@
             </p:txBody>
           </p:sp>
         </mc:Choice>
-        <mc:Fallback>
+        <mc:Fallback xmlns="">
           <p:sp>
             <p:nvSpPr>
               <p:cNvPr id="10" name="Rectangle 9">
@@ -4819,8 +4827,8 @@
           </a:fontRef>
         </p:style>
       </p:cxnSp>
-      <mc:AlternateContent xmlns:mc="http://schemas.openxmlformats.org/markup-compatibility/2006">
-        <mc:Choice xmlns:a14="http://schemas.microsoft.com/office/drawing/2010/main" Requires="a14">
+      <mc:AlternateContent xmlns:mc="http://schemas.openxmlformats.org/markup-compatibility/2006" xmlns:a14="http://schemas.microsoft.com/office/drawing/2010/main">
+        <mc:Choice Requires="a14">
           <p:sp>
             <p:nvSpPr>
               <p:cNvPr id="22" name="Rectangle 21">
@@ -4963,7 +4971,7 @@
             </p:txBody>
           </p:sp>
         </mc:Choice>
-        <mc:Fallback>
+        <mc:Fallback xmlns="">
           <p:sp>
             <p:nvSpPr>
               <p:cNvPr id="22" name="Rectangle 21">
@@ -5094,8 +5102,8 @@
           </a:fontRef>
         </p:style>
       </p:cxnSp>
-      <mc:AlternateContent xmlns:mc="http://schemas.openxmlformats.org/markup-compatibility/2006">
-        <mc:Choice xmlns:a14="http://schemas.microsoft.com/office/drawing/2010/main" Requires="a14">
+      <mc:AlternateContent xmlns:mc="http://schemas.openxmlformats.org/markup-compatibility/2006" xmlns:a14="http://schemas.microsoft.com/office/drawing/2010/main">
+        <mc:Choice Requires="a14">
           <p:sp>
             <p:nvSpPr>
               <p:cNvPr id="28" name="Rectangle 27">
@@ -5280,7 +5288,7 @@
             </p:txBody>
           </p:sp>
         </mc:Choice>
-        <mc:Fallback>
+        <mc:Fallback xmlns="">
           <p:sp>
             <p:nvSpPr>
               <p:cNvPr id="28" name="Rectangle 27">
@@ -5411,8 +5419,8 @@
           </a:fontRef>
         </p:style>
       </p:cxnSp>
-      <mc:AlternateContent xmlns:mc="http://schemas.openxmlformats.org/markup-compatibility/2006">
-        <mc:Choice xmlns:a14="http://schemas.microsoft.com/office/drawing/2010/main" Requires="a14">
+      <mc:AlternateContent xmlns:mc="http://schemas.openxmlformats.org/markup-compatibility/2006" xmlns:a14="http://schemas.microsoft.com/office/drawing/2010/main">
+        <mc:Choice Requires="a14">
           <p:sp>
             <p:nvSpPr>
               <p:cNvPr id="34" name="Rectangle 33">
@@ -5652,7 +5660,7 @@
             </p:txBody>
           </p:sp>
         </mc:Choice>
-        <mc:Fallback>
+        <mc:Fallback xmlns="">
           <p:sp>
             <p:nvSpPr>
               <p:cNvPr id="34" name="Rectangle 33">
@@ -5740,8 +5748,8 @@
           </a:fontRef>
         </p:style>
       </p:cxnSp>
-      <mc:AlternateContent xmlns:mc="http://schemas.openxmlformats.org/markup-compatibility/2006">
-        <mc:Choice xmlns:a14="http://schemas.microsoft.com/office/drawing/2010/main" Requires="a14">
+      <mc:AlternateContent xmlns:mc="http://schemas.openxmlformats.org/markup-compatibility/2006" xmlns:a14="http://schemas.microsoft.com/office/drawing/2010/main">
+        <mc:Choice Requires="a14">
           <p:sp>
             <p:nvSpPr>
               <p:cNvPr id="37" name="TextBox 36">
@@ -5770,6 +5778,7 @@
               </a:bodyPr>
               <a:lstStyle/>
               <a:p>
+                <a:pPr/>
                 <a14:m>
                   <m:oMathPara xmlns:m="http://schemas.openxmlformats.org/officeDocument/2006/math">
                     <m:oMathParaPr>
@@ -5883,7 +5892,7 @@
             </p:txBody>
           </p:sp>
         </mc:Choice>
-        <mc:Fallback>
+        <mc:Fallback xmlns="">
           <p:sp>
             <p:nvSpPr>
               <p:cNvPr id="37" name="TextBox 36">
@@ -6057,8 +6066,8 @@
           </a:fontRef>
         </p:style>
       </p:cxnSp>
-      <mc:AlternateContent xmlns:mc="http://schemas.openxmlformats.org/markup-compatibility/2006">
-        <mc:Choice xmlns:a14="http://schemas.microsoft.com/office/drawing/2010/main" Requires="a14">
+      <mc:AlternateContent xmlns:mc="http://schemas.openxmlformats.org/markup-compatibility/2006" xmlns:a14="http://schemas.microsoft.com/office/drawing/2010/main">
+        <mc:Choice Requires="a14">
           <p:sp>
             <p:nvSpPr>
               <p:cNvPr id="59" name="TextBox 58">
@@ -6087,6 +6096,7 @@
               </a:bodyPr>
               <a:lstStyle/>
               <a:p>
+                <a:pPr/>
                 <a14:m>
                   <m:oMathPara xmlns:m="http://schemas.openxmlformats.org/officeDocument/2006/math">
                     <m:oMathParaPr>
@@ -6107,7 +6117,7 @@
             </p:txBody>
           </p:sp>
         </mc:Choice>
-        <mc:Fallback>
+        <mc:Fallback xmlns="">
           <p:sp>
             <p:nvSpPr>
               <p:cNvPr id="59" name="TextBox 58">
@@ -6917,8 +6927,8 @@
           </a:p>
         </p:txBody>
       </p:sp>
-      <mc:AlternateContent xmlns:mc="http://schemas.openxmlformats.org/markup-compatibility/2006">
-        <mc:Choice xmlns:a14="http://schemas.microsoft.com/office/drawing/2010/main" Requires="a14">
+      <mc:AlternateContent xmlns:mc="http://schemas.openxmlformats.org/markup-compatibility/2006" xmlns:a14="http://schemas.microsoft.com/office/drawing/2010/main">
+        <mc:Choice Requires="a14">
           <p:graphicFrame>
             <p:nvGraphicFramePr>
               <p:cNvPr id="42" name="Table 41">
@@ -6985,6 +6995,7 @@
                         <a:bodyPr/>
                         <a:lstStyle/>
                         <a:p>
+                          <a:pPr/>
                           <a14:m>
                             <m:oMathPara xmlns:m="http://schemas.openxmlformats.org/officeDocument/2006/math">
                               <m:oMathParaPr>
@@ -7080,6 +7091,7 @@
                         <a:bodyPr/>
                         <a:lstStyle/>
                         <a:p>
+                          <a:pPr/>
                           <a14:m>
                             <m:oMathPara xmlns:m="http://schemas.openxmlformats.org/officeDocument/2006/math">
                               <m:oMathParaPr>
@@ -7231,6 +7243,7 @@
                         <a:bodyPr/>
                         <a:lstStyle/>
                         <a:p>
+                          <a:pPr/>
                           <a14:m>
                             <m:oMathPara xmlns:m="http://schemas.openxmlformats.org/officeDocument/2006/math">
                               <m:oMathParaPr>
@@ -7328,7 +7341,7 @@
             </a:graphic>
           </p:graphicFrame>
         </mc:Choice>
-        <mc:Fallback>
+        <mc:Fallback xmlns="">
           <p:graphicFrame>
             <p:nvGraphicFramePr>
               <p:cNvPr id="42" name="Table 41">
@@ -7621,8 +7634,8 @@
           </p:graphicFrame>
         </mc:Fallback>
       </mc:AlternateContent>
-      <mc:AlternateContent xmlns:mc="http://schemas.openxmlformats.org/markup-compatibility/2006">
-        <mc:Choice xmlns:a14="http://schemas.microsoft.com/office/drawing/2010/main" Requires="a14">
+      <mc:AlternateContent xmlns:mc="http://schemas.openxmlformats.org/markup-compatibility/2006" xmlns:a14="http://schemas.microsoft.com/office/drawing/2010/main">
+        <mc:Choice Requires="a14">
           <p:graphicFrame>
             <p:nvGraphicFramePr>
               <p:cNvPr id="58" name="Table 57">
@@ -7689,6 +7702,7 @@
                         <a:bodyPr/>
                         <a:lstStyle/>
                         <a:p>
+                          <a:pPr/>
                           <a14:m>
                             <m:oMathPara xmlns:m="http://schemas.openxmlformats.org/officeDocument/2006/math">
                               <m:oMathParaPr>
@@ -7784,6 +7798,7 @@
                         <a:bodyPr/>
                         <a:lstStyle/>
                         <a:p>
+                          <a:pPr/>
                           <a14:m>
                             <m:oMathPara xmlns:m="http://schemas.openxmlformats.org/officeDocument/2006/math">
                               <m:oMathParaPr>
@@ -7935,6 +7950,7 @@
                         <a:bodyPr/>
                         <a:lstStyle/>
                         <a:p>
+                          <a:pPr/>
                           <a14:m>
                             <m:oMathPara xmlns:m="http://schemas.openxmlformats.org/officeDocument/2006/math">
                               <m:oMathParaPr>
@@ -8032,7 +8048,7 @@
             </a:graphic>
           </p:graphicFrame>
         </mc:Choice>
-        <mc:Fallback>
+        <mc:Fallback xmlns="">
           <p:graphicFrame>
             <p:nvGraphicFramePr>
               <p:cNvPr id="58" name="Table 57">
@@ -8675,8 +8691,8 @@
           </a:p>
         </p:txBody>
       </p:sp>
-      <mc:AlternateContent xmlns:mc="http://schemas.openxmlformats.org/markup-compatibility/2006">
-        <mc:Choice xmlns:a14="http://schemas.microsoft.com/office/drawing/2010/main" Requires="a14">
+      <mc:AlternateContent xmlns:mc="http://schemas.openxmlformats.org/markup-compatibility/2006" xmlns:a14="http://schemas.microsoft.com/office/drawing/2010/main">
+        <mc:Choice Requires="a14">
           <p:graphicFrame>
             <p:nvGraphicFramePr>
               <p:cNvPr id="81" name="Table 80">
@@ -8743,6 +8759,7 @@
                         <a:bodyPr/>
                         <a:lstStyle/>
                         <a:p>
+                          <a:pPr/>
                           <a14:m>
                             <m:oMathPara xmlns:m="http://schemas.openxmlformats.org/officeDocument/2006/math">
                               <m:oMathParaPr>
@@ -8838,6 +8855,7 @@
                         <a:bodyPr/>
                         <a:lstStyle/>
                         <a:p>
+                          <a:pPr/>
                           <a14:m>
                             <m:oMathPara xmlns:m="http://schemas.openxmlformats.org/officeDocument/2006/math">
                               <m:oMathParaPr>
@@ -8989,6 +9007,7 @@
                         <a:bodyPr/>
                         <a:lstStyle/>
                         <a:p>
+                          <a:pPr/>
                           <a14:m>
                             <m:oMathPara xmlns:m="http://schemas.openxmlformats.org/officeDocument/2006/math">
                               <m:oMathParaPr>
@@ -9086,7 +9105,7 @@
             </a:graphic>
           </p:graphicFrame>
         </mc:Choice>
-        <mc:Fallback>
+        <mc:Fallback xmlns="">
           <p:graphicFrame>
             <p:nvGraphicFramePr>
               <p:cNvPr id="81" name="Table 80">
@@ -9608,6 +9627,1705 @@
 </p:sld>
 </file>
 
+<file path=ppt/slides/slide3.xml><?xml version="1.0" encoding="utf-8"?>
+<p:sld xmlns:a="http://schemas.openxmlformats.org/drawingml/2006/main" xmlns:r="http://schemas.openxmlformats.org/officeDocument/2006/relationships" xmlns:p="http://schemas.openxmlformats.org/presentationml/2006/main">
+  <p:cSld>
+    <p:spTree>
+      <p:nvGrpSpPr>
+        <p:cNvPr id="1" name=""/>
+        <p:cNvGrpSpPr/>
+        <p:nvPr/>
+      </p:nvGrpSpPr>
+      <p:grpSpPr>
+        <a:xfrm>
+          <a:off x="0" y="0"/>
+          <a:ext cx="0" cy="0"/>
+          <a:chOff x="0" y="0"/>
+          <a:chExt cx="0" cy="0"/>
+        </a:xfrm>
+      </p:grpSpPr>
+      <mc:AlternateContent xmlns:mc="http://schemas.openxmlformats.org/markup-compatibility/2006">
+        <mc:Choice xmlns:a14="http://schemas.microsoft.com/office/drawing/2010/main" Requires="a14">
+          <p:sp>
+            <p:nvSpPr>
+              <p:cNvPr id="4" name="Oval 3">
+                <a:extLst>
+                  <a:ext uri="{FF2B5EF4-FFF2-40B4-BE49-F238E27FC236}">
+                    <a16:creationId xmlns:a16="http://schemas.microsoft.com/office/drawing/2014/main" id="{C91B386E-263B-9448-A100-2CF64BF2119A}"/>
+                  </a:ext>
+                </a:extLst>
+              </p:cNvPr>
+              <p:cNvSpPr/>
+              <p:nvPr/>
+            </p:nvSpPr>
+            <p:spPr>
+              <a:xfrm>
+                <a:off x="1015068" y="2869035"/>
+                <a:ext cx="880844" cy="880844"/>
+              </a:xfrm>
+              <a:prstGeom prst="ellipse">
+                <a:avLst/>
+              </a:prstGeom>
+            </p:spPr>
+            <p:style>
+              <a:lnRef idx="2">
+                <a:schemeClr val="accent1">
+                  <a:shade val="50000"/>
+                </a:schemeClr>
+              </a:lnRef>
+              <a:fillRef idx="1">
+                <a:schemeClr val="accent1"/>
+              </a:fillRef>
+              <a:effectRef idx="0">
+                <a:schemeClr val="accent1"/>
+              </a:effectRef>
+              <a:fontRef idx="minor">
+                <a:schemeClr val="lt1"/>
+              </a:fontRef>
+            </p:style>
+            <p:txBody>
+              <a:bodyPr rtlCol="0" anchor="ctr"/>
+              <a:lstStyle/>
+              <a:p>
+                <a:pPr algn="ctr"/>
+                <a14:m>
+                  <m:oMathPara xmlns:m="http://schemas.openxmlformats.org/officeDocument/2006/math">
+                    <m:oMathParaPr>
+                      <m:jc m:val="centerGroup"/>
+                    </m:oMathParaPr>
+                    <m:oMath xmlns:m="http://schemas.openxmlformats.org/officeDocument/2006/math">
+                      <m:sSub>
+                        <m:sSubPr>
+                          <m:ctrlPr>
+                            <a:rPr lang="en-US" b="0" i="1" smtClean="0">
+                              <a:latin typeface="Cambria Math" panose="02040503050406030204" pitchFamily="18" charset="0"/>
+                            </a:rPr>
+                          </m:ctrlPr>
+                        </m:sSubPr>
+                        <m:e>
+                          <m:r>
+                            <a:rPr lang="en-US" b="0" i="1" smtClean="0">
+                              <a:latin typeface="Cambria Math" panose="02040503050406030204" pitchFamily="18" charset="0"/>
+                            </a:rPr>
+                            <m:t> </m:t>
+                          </m:r>
+                          <m:r>
+                            <a:rPr lang="en-US" b="0" i="1" smtClean="0">
+                              <a:latin typeface="Cambria Math" panose="02040503050406030204" pitchFamily="18" charset="0"/>
+                            </a:rPr>
+                            <m:t>𝑆</m:t>
+                          </m:r>
+                        </m:e>
+                        <m:sub>
+                          <m:r>
+                            <a:rPr lang="en-US" b="0" i="1" smtClean="0">
+                              <a:latin typeface="Cambria Math" panose="02040503050406030204" pitchFamily="18" charset="0"/>
+                            </a:rPr>
+                            <m:t>0</m:t>
+                          </m:r>
+                        </m:sub>
+                      </m:sSub>
+                    </m:oMath>
+                  </m:oMathPara>
+                </a14:m>
+                <a:endParaRPr lang="en-US" dirty="0"/>
+              </a:p>
+            </p:txBody>
+          </p:sp>
+        </mc:Choice>
+        <mc:Fallback>
+          <p:sp>
+            <p:nvSpPr>
+              <p:cNvPr id="4" name="Oval 3">
+                <a:extLst>
+                  <a:ext uri="{FF2B5EF4-FFF2-40B4-BE49-F238E27FC236}">
+                    <a16:creationId xmlns:a16="http://schemas.microsoft.com/office/drawing/2014/main" id="{C91B386E-263B-9448-A100-2CF64BF2119A}"/>
+                  </a:ext>
+                </a:extLst>
+              </p:cNvPr>
+              <p:cNvSpPr>
+                <a:spLocks noRot="1" noChangeAspect="1" noMove="1" noResize="1" noEditPoints="1" noAdjustHandles="1" noChangeArrowheads="1" noChangeShapeType="1" noTextEdit="1"/>
+              </p:cNvSpPr>
+              <p:nvPr/>
+            </p:nvSpPr>
+            <p:spPr>
+              <a:xfrm>
+                <a:off x="1015068" y="2869035"/>
+                <a:ext cx="880844" cy="880844"/>
+              </a:xfrm>
+              <a:prstGeom prst="ellipse">
+                <a:avLst/>
+              </a:prstGeom>
+              <a:blipFill>
+                <a:blip r:embed="rId2"/>
+                <a:stretch>
+                  <a:fillRect/>
+                </a:stretch>
+              </a:blipFill>
+            </p:spPr>
+            <p:txBody>
+              <a:bodyPr/>
+              <a:lstStyle/>
+              <a:p>
+                <a:r>
+                  <a:rPr lang="en-US">
+                    <a:noFill/>
+                  </a:rPr>
+                  <a:t> </a:t>
+                </a:r>
+              </a:p>
+            </p:txBody>
+          </p:sp>
+        </mc:Fallback>
+      </mc:AlternateContent>
+      <mc:AlternateContent xmlns:mc="http://schemas.openxmlformats.org/markup-compatibility/2006">
+        <mc:Choice xmlns:a14="http://schemas.microsoft.com/office/drawing/2010/main" Requires="a14">
+          <p:sp>
+            <p:nvSpPr>
+              <p:cNvPr id="5" name="Oval 4">
+                <a:extLst>
+                  <a:ext uri="{FF2B5EF4-FFF2-40B4-BE49-F238E27FC236}">
+                    <a16:creationId xmlns:a16="http://schemas.microsoft.com/office/drawing/2014/main" id="{DE6A5F82-9758-0648-9E2C-7A8073CDA5D9}"/>
+                  </a:ext>
+                </a:extLst>
+              </p:cNvPr>
+              <p:cNvSpPr/>
+              <p:nvPr/>
+            </p:nvSpPr>
+            <p:spPr>
+              <a:xfrm>
+                <a:off x="2526484" y="2869035"/>
+                <a:ext cx="880844" cy="880844"/>
+              </a:xfrm>
+              <a:prstGeom prst="ellipse">
+                <a:avLst/>
+              </a:prstGeom>
+            </p:spPr>
+            <p:style>
+              <a:lnRef idx="2">
+                <a:schemeClr val="accent1">
+                  <a:shade val="50000"/>
+                </a:schemeClr>
+              </a:lnRef>
+              <a:fillRef idx="1">
+                <a:schemeClr val="accent1"/>
+              </a:fillRef>
+              <a:effectRef idx="0">
+                <a:schemeClr val="accent1"/>
+              </a:effectRef>
+              <a:fontRef idx="minor">
+                <a:schemeClr val="lt1"/>
+              </a:fontRef>
+            </p:style>
+            <p:txBody>
+              <a:bodyPr rtlCol="0" anchor="ctr"/>
+              <a:lstStyle/>
+              <a:p>
+                <a:pPr algn="ctr"/>
+                <a14:m>
+                  <m:oMathPara xmlns:m="http://schemas.openxmlformats.org/officeDocument/2006/math">
+                    <m:oMathParaPr>
+                      <m:jc m:val="centerGroup"/>
+                    </m:oMathParaPr>
+                    <m:oMath xmlns:m="http://schemas.openxmlformats.org/officeDocument/2006/math">
+                      <m:sSub>
+                        <m:sSubPr>
+                          <m:ctrlPr>
+                            <a:rPr lang="en-US" b="0" i="1" smtClean="0">
+                              <a:latin typeface="Cambria Math" panose="02040503050406030204" pitchFamily="18" charset="0"/>
+                            </a:rPr>
+                          </m:ctrlPr>
+                        </m:sSubPr>
+                        <m:e>
+                          <m:r>
+                            <a:rPr lang="en-US" b="0" i="1" smtClean="0">
+                              <a:latin typeface="Cambria Math" panose="02040503050406030204" pitchFamily="18" charset="0"/>
+                            </a:rPr>
+                            <m:t> </m:t>
+                          </m:r>
+                          <m:r>
+                            <a:rPr lang="en-US" b="0" i="1" smtClean="0">
+                              <a:latin typeface="Cambria Math" panose="02040503050406030204" pitchFamily="18" charset="0"/>
+                            </a:rPr>
+                            <m:t>𝑆</m:t>
+                          </m:r>
+                        </m:e>
+                        <m:sub>
+                          <m:r>
+                            <a:rPr lang="en-US" b="0" i="1" smtClean="0">
+                              <a:latin typeface="Cambria Math" panose="02040503050406030204" pitchFamily="18" charset="0"/>
+                            </a:rPr>
+                            <m:t>1</m:t>
+                          </m:r>
+                        </m:sub>
+                      </m:sSub>
+                    </m:oMath>
+                  </m:oMathPara>
+                </a14:m>
+                <a:endParaRPr lang="en-US" dirty="0"/>
+              </a:p>
+            </p:txBody>
+          </p:sp>
+        </mc:Choice>
+        <mc:Fallback>
+          <p:sp>
+            <p:nvSpPr>
+              <p:cNvPr id="5" name="Oval 4">
+                <a:extLst>
+                  <a:ext uri="{FF2B5EF4-FFF2-40B4-BE49-F238E27FC236}">
+                    <a16:creationId xmlns:a16="http://schemas.microsoft.com/office/drawing/2014/main" id="{DE6A5F82-9758-0648-9E2C-7A8073CDA5D9}"/>
+                  </a:ext>
+                </a:extLst>
+              </p:cNvPr>
+              <p:cNvSpPr>
+                <a:spLocks noRot="1" noChangeAspect="1" noMove="1" noResize="1" noEditPoints="1" noAdjustHandles="1" noChangeArrowheads="1" noChangeShapeType="1" noTextEdit="1"/>
+              </p:cNvSpPr>
+              <p:nvPr/>
+            </p:nvSpPr>
+            <p:spPr>
+              <a:xfrm>
+                <a:off x="2526484" y="2869035"/>
+                <a:ext cx="880844" cy="880844"/>
+              </a:xfrm>
+              <a:prstGeom prst="ellipse">
+                <a:avLst/>
+              </a:prstGeom>
+              <a:blipFill>
+                <a:blip r:embed="rId3"/>
+                <a:stretch>
+                  <a:fillRect/>
+                </a:stretch>
+              </a:blipFill>
+            </p:spPr>
+            <p:txBody>
+              <a:bodyPr/>
+              <a:lstStyle/>
+              <a:p>
+                <a:r>
+                  <a:rPr lang="en-US">
+                    <a:noFill/>
+                  </a:rPr>
+                  <a:t> </a:t>
+                </a:r>
+              </a:p>
+            </p:txBody>
+          </p:sp>
+        </mc:Fallback>
+      </mc:AlternateContent>
+      <mc:AlternateContent xmlns:mc="http://schemas.openxmlformats.org/markup-compatibility/2006">
+        <mc:Choice xmlns:a14="http://schemas.microsoft.com/office/drawing/2010/main" Requires="a14">
+          <p:sp>
+            <p:nvSpPr>
+              <p:cNvPr id="6" name="Oval 5">
+                <a:extLst>
+                  <a:ext uri="{FF2B5EF4-FFF2-40B4-BE49-F238E27FC236}">
+                    <a16:creationId xmlns:a16="http://schemas.microsoft.com/office/drawing/2014/main" id="{6588CA1A-7383-9A44-B3A3-428B7E793372}"/>
+                  </a:ext>
+                </a:extLst>
+              </p:cNvPr>
+              <p:cNvSpPr/>
+              <p:nvPr/>
+            </p:nvSpPr>
+            <p:spPr>
+              <a:xfrm>
+                <a:off x="4037900" y="2869035"/>
+                <a:ext cx="880844" cy="880844"/>
+              </a:xfrm>
+              <a:prstGeom prst="ellipse">
+                <a:avLst/>
+              </a:prstGeom>
+            </p:spPr>
+            <p:style>
+              <a:lnRef idx="2">
+                <a:schemeClr val="accent1">
+                  <a:shade val="50000"/>
+                </a:schemeClr>
+              </a:lnRef>
+              <a:fillRef idx="1">
+                <a:schemeClr val="accent1"/>
+              </a:fillRef>
+              <a:effectRef idx="0">
+                <a:schemeClr val="accent1"/>
+              </a:effectRef>
+              <a:fontRef idx="minor">
+                <a:schemeClr val="lt1"/>
+              </a:fontRef>
+            </p:style>
+            <p:txBody>
+              <a:bodyPr rtlCol="0" anchor="ctr"/>
+              <a:lstStyle/>
+              <a:p>
+                <a:pPr algn="ctr"/>
+                <a14:m>
+                  <m:oMathPara xmlns:m="http://schemas.openxmlformats.org/officeDocument/2006/math">
+                    <m:oMathParaPr>
+                      <m:jc m:val="centerGroup"/>
+                    </m:oMathParaPr>
+                    <m:oMath xmlns:m="http://schemas.openxmlformats.org/officeDocument/2006/math">
+                      <m:sSub>
+                        <m:sSubPr>
+                          <m:ctrlPr>
+                            <a:rPr lang="en-US" b="0" i="1" smtClean="0">
+                              <a:latin typeface="Cambria Math" panose="02040503050406030204" pitchFamily="18" charset="0"/>
+                            </a:rPr>
+                          </m:ctrlPr>
+                        </m:sSubPr>
+                        <m:e>
+                          <m:r>
+                            <a:rPr lang="en-US" b="0" i="1" smtClean="0">
+                              <a:latin typeface="Cambria Math" panose="02040503050406030204" pitchFamily="18" charset="0"/>
+                            </a:rPr>
+                            <m:t> </m:t>
+                          </m:r>
+                          <m:r>
+                            <a:rPr lang="en-US" b="0" i="1" smtClean="0">
+                              <a:latin typeface="Cambria Math" panose="02040503050406030204" pitchFamily="18" charset="0"/>
+                            </a:rPr>
+                            <m:t>𝑆</m:t>
+                          </m:r>
+                        </m:e>
+                        <m:sub>
+                          <m:r>
+                            <a:rPr lang="en-US" b="0" i="1" smtClean="0">
+                              <a:latin typeface="Cambria Math" panose="02040503050406030204" pitchFamily="18" charset="0"/>
+                            </a:rPr>
+                            <m:t>2</m:t>
+                          </m:r>
+                        </m:sub>
+                      </m:sSub>
+                    </m:oMath>
+                  </m:oMathPara>
+                </a14:m>
+                <a:endParaRPr lang="en-US" dirty="0"/>
+              </a:p>
+            </p:txBody>
+          </p:sp>
+        </mc:Choice>
+        <mc:Fallback>
+          <p:sp>
+            <p:nvSpPr>
+              <p:cNvPr id="6" name="Oval 5">
+                <a:extLst>
+                  <a:ext uri="{FF2B5EF4-FFF2-40B4-BE49-F238E27FC236}">
+                    <a16:creationId xmlns:a16="http://schemas.microsoft.com/office/drawing/2014/main" id="{6588CA1A-7383-9A44-B3A3-428B7E793372}"/>
+                  </a:ext>
+                </a:extLst>
+              </p:cNvPr>
+              <p:cNvSpPr>
+                <a:spLocks noRot="1" noChangeAspect="1" noMove="1" noResize="1" noEditPoints="1" noAdjustHandles="1" noChangeArrowheads="1" noChangeShapeType="1" noTextEdit="1"/>
+              </p:cNvSpPr>
+              <p:nvPr/>
+            </p:nvSpPr>
+            <p:spPr>
+              <a:xfrm>
+                <a:off x="4037900" y="2869035"/>
+                <a:ext cx="880844" cy="880844"/>
+              </a:xfrm>
+              <a:prstGeom prst="ellipse">
+                <a:avLst/>
+              </a:prstGeom>
+              <a:blipFill>
+                <a:blip r:embed="rId4"/>
+                <a:stretch>
+                  <a:fillRect/>
+                </a:stretch>
+              </a:blipFill>
+            </p:spPr>
+            <p:txBody>
+              <a:bodyPr/>
+              <a:lstStyle/>
+              <a:p>
+                <a:r>
+                  <a:rPr lang="en-US">
+                    <a:noFill/>
+                  </a:rPr>
+                  <a:t> </a:t>
+                </a:r>
+              </a:p>
+            </p:txBody>
+          </p:sp>
+        </mc:Fallback>
+      </mc:AlternateContent>
+      <mc:AlternateContent xmlns:mc="http://schemas.openxmlformats.org/markup-compatibility/2006">
+        <mc:Choice xmlns:a14="http://schemas.microsoft.com/office/drawing/2010/main" Requires="a14">
+          <p:sp>
+            <p:nvSpPr>
+              <p:cNvPr id="7" name="Oval 6">
+                <a:extLst>
+                  <a:ext uri="{FF2B5EF4-FFF2-40B4-BE49-F238E27FC236}">
+                    <a16:creationId xmlns:a16="http://schemas.microsoft.com/office/drawing/2014/main" id="{D2B4EBFA-B43A-A643-A6A1-EE9CB773D3D9}"/>
+                  </a:ext>
+                </a:extLst>
+              </p:cNvPr>
+              <p:cNvSpPr/>
+              <p:nvPr/>
+            </p:nvSpPr>
+            <p:spPr>
+              <a:xfrm>
+                <a:off x="6501468" y="2877533"/>
+                <a:ext cx="880844" cy="880844"/>
+              </a:xfrm>
+              <a:prstGeom prst="ellipse">
+                <a:avLst/>
+              </a:prstGeom>
+            </p:spPr>
+            <p:style>
+              <a:lnRef idx="2">
+                <a:schemeClr val="accent1">
+                  <a:shade val="50000"/>
+                </a:schemeClr>
+              </a:lnRef>
+              <a:fillRef idx="1">
+                <a:schemeClr val="accent1"/>
+              </a:fillRef>
+              <a:effectRef idx="0">
+                <a:schemeClr val="accent1"/>
+              </a:effectRef>
+              <a:fontRef idx="minor">
+                <a:schemeClr val="lt1"/>
+              </a:fontRef>
+            </p:style>
+            <p:txBody>
+              <a:bodyPr rtlCol="0" anchor="ctr"/>
+              <a:lstStyle/>
+              <a:p>
+                <a:pPr algn="ctr"/>
+                <a14:m>
+                  <m:oMathPara xmlns:m="http://schemas.openxmlformats.org/officeDocument/2006/math">
+                    <m:oMathParaPr>
+                      <m:jc m:val="centerGroup"/>
+                    </m:oMathParaPr>
+                    <m:oMath xmlns:m="http://schemas.openxmlformats.org/officeDocument/2006/math">
+                      <m:sSub>
+                        <m:sSubPr>
+                          <m:ctrlPr>
+                            <a:rPr lang="en-US" b="0" i="1" smtClean="0">
+                              <a:latin typeface="Cambria Math" panose="02040503050406030204" pitchFamily="18" charset="0"/>
+                            </a:rPr>
+                          </m:ctrlPr>
+                        </m:sSubPr>
+                        <m:e>
+                          <m:r>
+                            <a:rPr lang="en-US" b="0" i="1" smtClean="0">
+                              <a:latin typeface="Cambria Math" panose="02040503050406030204" pitchFamily="18" charset="0"/>
+                            </a:rPr>
+                            <m:t> </m:t>
+                          </m:r>
+                          <m:r>
+                            <a:rPr lang="en-US" b="0" i="1" smtClean="0">
+                              <a:latin typeface="Cambria Math" panose="02040503050406030204" pitchFamily="18" charset="0"/>
+                            </a:rPr>
+                            <m:t>𝑆</m:t>
+                          </m:r>
+                        </m:e>
+                        <m:sub>
+                          <m:r>
+                            <a:rPr lang="en-US" b="0" i="1" smtClean="0">
+                              <a:latin typeface="Cambria Math" panose="02040503050406030204" pitchFamily="18" charset="0"/>
+                            </a:rPr>
+                            <m:t>𝑁</m:t>
+                          </m:r>
+                        </m:sub>
+                      </m:sSub>
+                    </m:oMath>
+                  </m:oMathPara>
+                </a14:m>
+                <a:endParaRPr lang="en-US" dirty="0"/>
+              </a:p>
+            </p:txBody>
+          </p:sp>
+        </mc:Choice>
+        <mc:Fallback>
+          <p:sp>
+            <p:nvSpPr>
+              <p:cNvPr id="7" name="Oval 6">
+                <a:extLst>
+                  <a:ext uri="{FF2B5EF4-FFF2-40B4-BE49-F238E27FC236}">
+                    <a16:creationId xmlns:a16="http://schemas.microsoft.com/office/drawing/2014/main" id="{D2B4EBFA-B43A-A643-A6A1-EE9CB773D3D9}"/>
+                  </a:ext>
+                </a:extLst>
+              </p:cNvPr>
+              <p:cNvSpPr>
+                <a:spLocks noRot="1" noChangeAspect="1" noMove="1" noResize="1" noEditPoints="1" noAdjustHandles="1" noChangeArrowheads="1" noChangeShapeType="1" noTextEdit="1"/>
+              </p:cNvSpPr>
+              <p:nvPr/>
+            </p:nvSpPr>
+            <p:spPr>
+              <a:xfrm>
+                <a:off x="6501468" y="2877533"/>
+                <a:ext cx="880844" cy="880844"/>
+              </a:xfrm>
+              <a:prstGeom prst="ellipse">
+                <a:avLst/>
+              </a:prstGeom>
+              <a:blipFill>
+                <a:blip r:embed="rId5"/>
+                <a:stretch>
+                  <a:fillRect/>
+                </a:stretch>
+              </a:blipFill>
+            </p:spPr>
+            <p:txBody>
+              <a:bodyPr/>
+              <a:lstStyle/>
+              <a:p>
+                <a:r>
+                  <a:rPr lang="en-US">
+                    <a:noFill/>
+                  </a:rPr>
+                  <a:t> </a:t>
+                </a:r>
+              </a:p>
+            </p:txBody>
+          </p:sp>
+        </mc:Fallback>
+      </mc:AlternateContent>
+      <p:cxnSp>
+        <p:nvCxnSpPr>
+          <p:cNvPr id="9" name="Straight Arrow Connector 8">
+            <a:extLst>
+              <a:ext uri="{FF2B5EF4-FFF2-40B4-BE49-F238E27FC236}">
+                <a16:creationId xmlns:a16="http://schemas.microsoft.com/office/drawing/2014/main" id="{EB9E7BB7-6CC8-C449-9C4D-A6D82FCBAF10}"/>
+              </a:ext>
+            </a:extLst>
+          </p:cNvPr>
+          <p:cNvCxnSpPr>
+            <a:stCxn id="4" idx="6"/>
+            <a:endCxn id="5" idx="2"/>
+          </p:cNvCxnSpPr>
+          <p:nvPr/>
+        </p:nvCxnSpPr>
+        <p:spPr>
+          <a:xfrm>
+            <a:off x="1895912" y="3309457"/>
+            <a:ext cx="630572" cy="0"/>
+          </a:xfrm>
+          <a:prstGeom prst="straightConnector1">
+            <a:avLst/>
+          </a:prstGeom>
+          <a:ln>
+            <a:tailEnd type="triangle"/>
+          </a:ln>
+        </p:spPr>
+        <p:style>
+          <a:lnRef idx="1">
+            <a:schemeClr val="accent1"/>
+          </a:lnRef>
+          <a:fillRef idx="0">
+            <a:schemeClr val="accent1"/>
+          </a:fillRef>
+          <a:effectRef idx="0">
+            <a:schemeClr val="accent1"/>
+          </a:effectRef>
+          <a:fontRef idx="minor">
+            <a:schemeClr val="tx1"/>
+          </a:fontRef>
+        </p:style>
+      </p:cxnSp>
+      <p:cxnSp>
+        <p:nvCxnSpPr>
+          <p:cNvPr id="11" name="Straight Arrow Connector 10">
+            <a:extLst>
+              <a:ext uri="{FF2B5EF4-FFF2-40B4-BE49-F238E27FC236}">
+                <a16:creationId xmlns:a16="http://schemas.microsoft.com/office/drawing/2014/main" id="{E7CBC9FA-4F82-0E43-A24E-A5CD681C0D5A}"/>
+              </a:ext>
+            </a:extLst>
+          </p:cNvPr>
+          <p:cNvCxnSpPr>
+            <a:stCxn id="5" idx="6"/>
+            <a:endCxn id="6" idx="2"/>
+          </p:cNvCxnSpPr>
+          <p:nvPr/>
+        </p:nvCxnSpPr>
+        <p:spPr>
+          <a:xfrm>
+            <a:off x="3407328" y="3309457"/>
+            <a:ext cx="630572" cy="0"/>
+          </a:xfrm>
+          <a:prstGeom prst="straightConnector1">
+            <a:avLst/>
+          </a:prstGeom>
+          <a:ln>
+            <a:tailEnd type="triangle"/>
+          </a:ln>
+        </p:spPr>
+        <p:style>
+          <a:lnRef idx="1">
+            <a:schemeClr val="accent1"/>
+          </a:lnRef>
+          <a:fillRef idx="0">
+            <a:schemeClr val="accent1"/>
+          </a:fillRef>
+          <a:effectRef idx="0">
+            <a:schemeClr val="accent1"/>
+          </a:effectRef>
+          <a:fontRef idx="minor">
+            <a:schemeClr val="tx1"/>
+          </a:fontRef>
+        </p:style>
+      </p:cxnSp>
+      <p:cxnSp>
+        <p:nvCxnSpPr>
+          <p:cNvPr id="13" name="Straight Arrow Connector 12">
+            <a:extLst>
+              <a:ext uri="{FF2B5EF4-FFF2-40B4-BE49-F238E27FC236}">
+                <a16:creationId xmlns:a16="http://schemas.microsoft.com/office/drawing/2014/main" id="{14A5E7C0-5FA9-144D-BB37-44D84846FCCD}"/>
+              </a:ext>
+            </a:extLst>
+          </p:cNvPr>
+          <p:cNvCxnSpPr>
+            <a:stCxn id="6" idx="6"/>
+          </p:cNvCxnSpPr>
+          <p:nvPr/>
+        </p:nvCxnSpPr>
+        <p:spPr>
+          <a:xfrm>
+            <a:off x="4918744" y="3309457"/>
+            <a:ext cx="500544" cy="0"/>
+          </a:xfrm>
+          <a:prstGeom prst="straightConnector1">
+            <a:avLst/>
+          </a:prstGeom>
+          <a:ln>
+            <a:tailEnd type="triangle"/>
+          </a:ln>
+        </p:spPr>
+        <p:style>
+          <a:lnRef idx="1">
+            <a:schemeClr val="accent1"/>
+          </a:lnRef>
+          <a:fillRef idx="0">
+            <a:schemeClr val="accent1"/>
+          </a:fillRef>
+          <a:effectRef idx="0">
+            <a:schemeClr val="accent1"/>
+          </a:effectRef>
+          <a:fontRef idx="minor">
+            <a:schemeClr val="tx1"/>
+          </a:fontRef>
+        </p:style>
+      </p:cxnSp>
+      <p:sp>
+        <p:nvSpPr>
+          <p:cNvPr id="14" name="TextBox 13">
+            <a:extLst>
+              <a:ext uri="{FF2B5EF4-FFF2-40B4-BE49-F238E27FC236}">
+                <a16:creationId xmlns:a16="http://schemas.microsoft.com/office/drawing/2014/main" id="{78C49C77-734B-1B44-A01F-E8B63F60B46F}"/>
+              </a:ext>
+            </a:extLst>
+          </p:cNvPr>
+          <p:cNvSpPr txBox="1"/>
+          <p:nvPr/>
+        </p:nvSpPr>
+        <p:spPr>
+          <a:xfrm>
+            <a:off x="5459834" y="3124791"/>
+            <a:ext cx="645952" cy="369332"/>
+          </a:xfrm>
+          <a:prstGeom prst="rect">
+            <a:avLst/>
+          </a:prstGeom>
+          <a:noFill/>
+        </p:spPr>
+        <p:txBody>
+          <a:bodyPr wrap="square" rtlCol="0">
+            <a:spAutoFit/>
+          </a:bodyPr>
+          <a:lstStyle/>
+          <a:p>
+            <a:r>
+              <a:rPr lang="en-US" dirty="0"/>
+              <a:t>…</a:t>
+            </a:r>
+          </a:p>
+        </p:txBody>
+      </p:sp>
+      <p:cxnSp>
+        <p:nvCxnSpPr>
+          <p:cNvPr id="15" name="Straight Arrow Connector 14">
+            <a:extLst>
+              <a:ext uri="{FF2B5EF4-FFF2-40B4-BE49-F238E27FC236}">
+                <a16:creationId xmlns:a16="http://schemas.microsoft.com/office/drawing/2014/main" id="{9514C867-8A7B-1744-9620-7B5DCBF55787}"/>
+              </a:ext>
+            </a:extLst>
+          </p:cNvPr>
+          <p:cNvCxnSpPr>
+            <a:cxnSpLocks/>
+          </p:cNvCxnSpPr>
+          <p:nvPr/>
+        </p:nvCxnSpPr>
+        <p:spPr>
+          <a:xfrm>
+            <a:off x="5960378" y="3317955"/>
+            <a:ext cx="541090" cy="0"/>
+          </a:xfrm>
+          <a:prstGeom prst="straightConnector1">
+            <a:avLst/>
+          </a:prstGeom>
+          <a:ln>
+            <a:tailEnd type="triangle"/>
+          </a:ln>
+        </p:spPr>
+        <p:style>
+          <a:lnRef idx="1">
+            <a:schemeClr val="accent1"/>
+          </a:lnRef>
+          <a:fillRef idx="0">
+            <a:schemeClr val="accent1"/>
+          </a:fillRef>
+          <a:effectRef idx="0">
+            <a:schemeClr val="accent1"/>
+          </a:effectRef>
+          <a:fontRef idx="minor">
+            <a:schemeClr val="tx1"/>
+          </a:fontRef>
+        </p:style>
+      </p:cxnSp>
+      <mc:AlternateContent xmlns:mc="http://schemas.openxmlformats.org/markup-compatibility/2006">
+        <mc:Choice xmlns:a14="http://schemas.microsoft.com/office/drawing/2010/main" Requires="a14">
+          <p:sp>
+            <p:nvSpPr>
+              <p:cNvPr id="19" name="TextBox 18">
+                <a:extLst>
+                  <a:ext uri="{FF2B5EF4-FFF2-40B4-BE49-F238E27FC236}">
+                    <a16:creationId xmlns:a16="http://schemas.microsoft.com/office/drawing/2014/main" id="{7CE5A984-D11B-0741-8004-C69970036BF8}"/>
+                  </a:ext>
+                </a:extLst>
+              </p:cNvPr>
+              <p:cNvSpPr txBox="1"/>
+              <p:nvPr/>
+            </p:nvSpPr>
+            <p:spPr>
+              <a:xfrm>
+                <a:off x="1960230" y="2877533"/>
+                <a:ext cx="461394" cy="369332"/>
+              </a:xfrm>
+              <a:prstGeom prst="rect">
+                <a:avLst/>
+              </a:prstGeom>
+              <a:noFill/>
+            </p:spPr>
+            <p:txBody>
+              <a:bodyPr wrap="square" rtlCol="0">
+                <a:spAutoFit/>
+              </a:bodyPr>
+              <a:lstStyle/>
+              <a:p>
+                <a14:m>
+                  <m:oMathPara xmlns:m="http://schemas.openxmlformats.org/officeDocument/2006/math">
+                    <m:oMathParaPr>
+                      <m:jc m:val="centerGroup"/>
+                    </m:oMathParaPr>
+                    <m:oMath xmlns:m="http://schemas.openxmlformats.org/officeDocument/2006/math">
+                      <m:sSub>
+                        <m:sSubPr>
+                          <m:ctrlPr>
+                            <a:rPr lang="en-US" b="0" i="1" smtClean="0">
+                              <a:latin typeface="Cambria Math" panose="02040503050406030204" pitchFamily="18" charset="0"/>
+                            </a:rPr>
+                          </m:ctrlPr>
+                        </m:sSubPr>
+                        <m:e>
+                          <m:r>
+                            <a:rPr lang="en-US" b="0" i="1" smtClean="0">
+                              <a:latin typeface="Cambria Math" panose="02040503050406030204" pitchFamily="18" charset="0"/>
+                            </a:rPr>
+                            <m:t>𝑎</m:t>
+                          </m:r>
+                        </m:e>
+                        <m:sub>
+                          <m:r>
+                            <a:rPr lang="en-US" b="0" i="1" smtClean="0">
+                              <a:latin typeface="Cambria Math" panose="02040503050406030204" pitchFamily="18" charset="0"/>
+                            </a:rPr>
+                            <m:t>2</m:t>
+                          </m:r>
+                        </m:sub>
+                      </m:sSub>
+                    </m:oMath>
+                  </m:oMathPara>
+                </a14:m>
+                <a:endParaRPr lang="en-US" b="0" dirty="0"/>
+              </a:p>
+            </p:txBody>
+          </p:sp>
+        </mc:Choice>
+        <mc:Fallback>
+          <p:sp>
+            <p:nvSpPr>
+              <p:cNvPr id="19" name="TextBox 18">
+                <a:extLst>
+                  <a:ext uri="{FF2B5EF4-FFF2-40B4-BE49-F238E27FC236}">
+                    <a16:creationId xmlns:a16="http://schemas.microsoft.com/office/drawing/2014/main" id="{7CE5A984-D11B-0741-8004-C69970036BF8}"/>
+                  </a:ext>
+                </a:extLst>
+              </p:cNvPr>
+              <p:cNvSpPr txBox="1">
+                <a:spLocks noRot="1" noChangeAspect="1" noMove="1" noResize="1" noEditPoints="1" noAdjustHandles="1" noChangeArrowheads="1" noChangeShapeType="1" noTextEdit="1"/>
+              </p:cNvSpPr>
+              <p:nvPr/>
+            </p:nvSpPr>
+            <p:spPr>
+              <a:xfrm>
+                <a:off x="1960230" y="2877533"/>
+                <a:ext cx="461394" cy="369332"/>
+              </a:xfrm>
+              <a:prstGeom prst="rect">
+                <a:avLst/>
+              </a:prstGeom>
+              <a:blipFill>
+                <a:blip r:embed="rId6"/>
+                <a:stretch>
+                  <a:fillRect/>
+                </a:stretch>
+              </a:blipFill>
+            </p:spPr>
+            <p:txBody>
+              <a:bodyPr/>
+              <a:lstStyle/>
+              <a:p>
+                <a:r>
+                  <a:rPr lang="en-US">
+                    <a:noFill/>
+                  </a:rPr>
+                  <a:t> </a:t>
+                </a:r>
+              </a:p>
+            </p:txBody>
+          </p:sp>
+        </mc:Fallback>
+      </mc:AlternateContent>
+      <mc:AlternateContent xmlns:mc="http://schemas.openxmlformats.org/markup-compatibility/2006">
+        <mc:Choice xmlns:a14="http://schemas.microsoft.com/office/drawing/2010/main" Requires="a14">
+          <p:sp>
+            <p:nvSpPr>
+              <p:cNvPr id="20" name="TextBox 19">
+                <a:extLst>
+                  <a:ext uri="{FF2B5EF4-FFF2-40B4-BE49-F238E27FC236}">
+                    <a16:creationId xmlns:a16="http://schemas.microsoft.com/office/drawing/2014/main" id="{33CE94EE-03FE-474A-A9D4-8376C1C3878B}"/>
+                  </a:ext>
+                </a:extLst>
+              </p:cNvPr>
+              <p:cNvSpPr txBox="1"/>
+              <p:nvPr/>
+            </p:nvSpPr>
+            <p:spPr>
+              <a:xfrm>
+                <a:off x="3496807" y="2879571"/>
+                <a:ext cx="461394" cy="369332"/>
+              </a:xfrm>
+              <a:prstGeom prst="rect">
+                <a:avLst/>
+              </a:prstGeom>
+              <a:noFill/>
+            </p:spPr>
+            <p:txBody>
+              <a:bodyPr wrap="square" rtlCol="0">
+                <a:spAutoFit/>
+              </a:bodyPr>
+              <a:lstStyle/>
+              <a:p>
+                <a14:m>
+                  <m:oMathPara xmlns:m="http://schemas.openxmlformats.org/officeDocument/2006/math">
+                    <m:oMathParaPr>
+                      <m:jc m:val="centerGroup"/>
+                    </m:oMathParaPr>
+                    <m:oMath xmlns:m="http://schemas.openxmlformats.org/officeDocument/2006/math">
+                      <m:sSub>
+                        <m:sSubPr>
+                          <m:ctrlPr>
+                            <a:rPr lang="en-US" b="0" i="1" smtClean="0">
+                              <a:latin typeface="Cambria Math" panose="02040503050406030204" pitchFamily="18" charset="0"/>
+                            </a:rPr>
+                          </m:ctrlPr>
+                        </m:sSubPr>
+                        <m:e>
+                          <m:r>
+                            <a:rPr lang="en-US" b="0" i="1" smtClean="0">
+                              <a:latin typeface="Cambria Math" panose="02040503050406030204" pitchFamily="18" charset="0"/>
+                            </a:rPr>
+                            <m:t>𝑎</m:t>
+                          </m:r>
+                        </m:e>
+                        <m:sub>
+                          <m:r>
+                            <a:rPr lang="en-US" b="0" i="1" smtClean="0">
+                              <a:latin typeface="Cambria Math" panose="02040503050406030204" pitchFamily="18" charset="0"/>
+                            </a:rPr>
+                            <m:t>2</m:t>
+                          </m:r>
+                        </m:sub>
+                      </m:sSub>
+                    </m:oMath>
+                  </m:oMathPara>
+                </a14:m>
+                <a:endParaRPr lang="en-US" b="0" dirty="0"/>
+              </a:p>
+            </p:txBody>
+          </p:sp>
+        </mc:Choice>
+        <mc:Fallback>
+          <p:sp>
+            <p:nvSpPr>
+              <p:cNvPr id="20" name="TextBox 19">
+                <a:extLst>
+                  <a:ext uri="{FF2B5EF4-FFF2-40B4-BE49-F238E27FC236}">
+                    <a16:creationId xmlns:a16="http://schemas.microsoft.com/office/drawing/2014/main" id="{33CE94EE-03FE-474A-A9D4-8376C1C3878B}"/>
+                  </a:ext>
+                </a:extLst>
+              </p:cNvPr>
+              <p:cNvSpPr txBox="1">
+                <a:spLocks noRot="1" noChangeAspect="1" noMove="1" noResize="1" noEditPoints="1" noAdjustHandles="1" noChangeArrowheads="1" noChangeShapeType="1" noTextEdit="1"/>
+              </p:cNvSpPr>
+              <p:nvPr/>
+            </p:nvSpPr>
+            <p:spPr>
+              <a:xfrm>
+                <a:off x="3496807" y="2879571"/>
+                <a:ext cx="461394" cy="369332"/>
+              </a:xfrm>
+              <a:prstGeom prst="rect">
+                <a:avLst/>
+              </a:prstGeom>
+              <a:blipFill>
+                <a:blip r:embed="rId6"/>
+                <a:stretch>
+                  <a:fillRect/>
+                </a:stretch>
+              </a:blipFill>
+            </p:spPr>
+            <p:txBody>
+              <a:bodyPr/>
+              <a:lstStyle/>
+              <a:p>
+                <a:r>
+                  <a:rPr lang="en-US">
+                    <a:noFill/>
+                  </a:rPr>
+                  <a:t> </a:t>
+                </a:r>
+              </a:p>
+            </p:txBody>
+          </p:sp>
+        </mc:Fallback>
+      </mc:AlternateContent>
+      <mc:AlternateContent xmlns:mc="http://schemas.openxmlformats.org/markup-compatibility/2006">
+        <mc:Choice xmlns:a14="http://schemas.microsoft.com/office/drawing/2010/main" Requires="a14">
+          <p:sp>
+            <p:nvSpPr>
+              <p:cNvPr id="21" name="TextBox 20">
+                <a:extLst>
+                  <a:ext uri="{FF2B5EF4-FFF2-40B4-BE49-F238E27FC236}">
+                    <a16:creationId xmlns:a16="http://schemas.microsoft.com/office/drawing/2014/main" id="{004FC106-3D01-D942-809E-6829CEDE38D4}"/>
+                  </a:ext>
+                </a:extLst>
+              </p:cNvPr>
+              <p:cNvSpPr txBox="1"/>
+              <p:nvPr/>
+            </p:nvSpPr>
+            <p:spPr>
+              <a:xfrm>
+                <a:off x="4918741" y="2869035"/>
+                <a:ext cx="461394" cy="369332"/>
+              </a:xfrm>
+              <a:prstGeom prst="rect">
+                <a:avLst/>
+              </a:prstGeom>
+              <a:noFill/>
+            </p:spPr>
+            <p:txBody>
+              <a:bodyPr wrap="square" rtlCol="0">
+                <a:spAutoFit/>
+              </a:bodyPr>
+              <a:lstStyle/>
+              <a:p>
+                <a14:m>
+                  <m:oMathPara xmlns:m="http://schemas.openxmlformats.org/officeDocument/2006/math">
+                    <m:oMathParaPr>
+                      <m:jc m:val="centerGroup"/>
+                    </m:oMathParaPr>
+                    <m:oMath xmlns:m="http://schemas.openxmlformats.org/officeDocument/2006/math">
+                      <m:sSub>
+                        <m:sSubPr>
+                          <m:ctrlPr>
+                            <a:rPr lang="en-US" b="0" i="1" smtClean="0">
+                              <a:latin typeface="Cambria Math" panose="02040503050406030204" pitchFamily="18" charset="0"/>
+                            </a:rPr>
+                          </m:ctrlPr>
+                        </m:sSubPr>
+                        <m:e>
+                          <m:r>
+                            <a:rPr lang="en-US" b="0" i="1" smtClean="0">
+                              <a:latin typeface="Cambria Math" panose="02040503050406030204" pitchFamily="18" charset="0"/>
+                            </a:rPr>
+                            <m:t>𝑎</m:t>
+                          </m:r>
+                        </m:e>
+                        <m:sub>
+                          <m:r>
+                            <a:rPr lang="en-US" b="0" i="1" smtClean="0">
+                              <a:latin typeface="Cambria Math" panose="02040503050406030204" pitchFamily="18" charset="0"/>
+                            </a:rPr>
+                            <m:t>2</m:t>
+                          </m:r>
+                        </m:sub>
+                      </m:sSub>
+                    </m:oMath>
+                  </m:oMathPara>
+                </a14:m>
+                <a:endParaRPr lang="en-US" b="0" dirty="0"/>
+              </a:p>
+            </p:txBody>
+          </p:sp>
+        </mc:Choice>
+        <mc:Fallback>
+          <p:sp>
+            <p:nvSpPr>
+              <p:cNvPr id="21" name="TextBox 20">
+                <a:extLst>
+                  <a:ext uri="{FF2B5EF4-FFF2-40B4-BE49-F238E27FC236}">
+                    <a16:creationId xmlns:a16="http://schemas.microsoft.com/office/drawing/2014/main" id="{004FC106-3D01-D942-809E-6829CEDE38D4}"/>
+                  </a:ext>
+                </a:extLst>
+              </p:cNvPr>
+              <p:cNvSpPr txBox="1">
+                <a:spLocks noRot="1" noChangeAspect="1" noMove="1" noResize="1" noEditPoints="1" noAdjustHandles="1" noChangeArrowheads="1" noChangeShapeType="1" noTextEdit="1"/>
+              </p:cNvSpPr>
+              <p:nvPr/>
+            </p:nvSpPr>
+            <p:spPr>
+              <a:xfrm>
+                <a:off x="4918741" y="2869035"/>
+                <a:ext cx="461394" cy="369332"/>
+              </a:xfrm>
+              <a:prstGeom prst="rect">
+                <a:avLst/>
+              </a:prstGeom>
+              <a:blipFill>
+                <a:blip r:embed="rId7"/>
+                <a:stretch>
+                  <a:fillRect/>
+                </a:stretch>
+              </a:blipFill>
+            </p:spPr>
+            <p:txBody>
+              <a:bodyPr/>
+              <a:lstStyle/>
+              <a:p>
+                <a:r>
+                  <a:rPr lang="en-US">
+                    <a:noFill/>
+                  </a:rPr>
+                  <a:t> </a:t>
+                </a:r>
+              </a:p>
+            </p:txBody>
+          </p:sp>
+        </mc:Fallback>
+      </mc:AlternateContent>
+      <mc:AlternateContent xmlns:mc="http://schemas.openxmlformats.org/markup-compatibility/2006">
+        <mc:Choice xmlns:a14="http://schemas.microsoft.com/office/drawing/2010/main" Requires="a14">
+          <p:sp>
+            <p:nvSpPr>
+              <p:cNvPr id="22" name="TextBox 21">
+                <a:extLst>
+                  <a:ext uri="{FF2B5EF4-FFF2-40B4-BE49-F238E27FC236}">
+                    <a16:creationId xmlns:a16="http://schemas.microsoft.com/office/drawing/2014/main" id="{1D05FC21-A63F-F648-A8D4-412B260ED7D1}"/>
+                  </a:ext>
+                </a:extLst>
+              </p:cNvPr>
+              <p:cNvSpPr txBox="1"/>
+              <p:nvPr/>
+            </p:nvSpPr>
+            <p:spPr>
+              <a:xfrm>
+                <a:off x="6000226" y="2869035"/>
+                <a:ext cx="461394" cy="369332"/>
+              </a:xfrm>
+              <a:prstGeom prst="rect">
+                <a:avLst/>
+              </a:prstGeom>
+              <a:noFill/>
+            </p:spPr>
+            <p:txBody>
+              <a:bodyPr wrap="square" rtlCol="0">
+                <a:spAutoFit/>
+              </a:bodyPr>
+              <a:lstStyle/>
+              <a:p>
+                <a14:m>
+                  <m:oMathPara xmlns:m="http://schemas.openxmlformats.org/officeDocument/2006/math">
+                    <m:oMathParaPr>
+                      <m:jc m:val="centerGroup"/>
+                    </m:oMathParaPr>
+                    <m:oMath xmlns:m="http://schemas.openxmlformats.org/officeDocument/2006/math">
+                      <m:sSub>
+                        <m:sSubPr>
+                          <m:ctrlPr>
+                            <a:rPr lang="en-US" b="0" i="1" smtClean="0">
+                              <a:latin typeface="Cambria Math" panose="02040503050406030204" pitchFamily="18" charset="0"/>
+                            </a:rPr>
+                          </m:ctrlPr>
+                        </m:sSubPr>
+                        <m:e>
+                          <m:r>
+                            <a:rPr lang="en-US" b="0" i="1" smtClean="0">
+                              <a:latin typeface="Cambria Math" panose="02040503050406030204" pitchFamily="18" charset="0"/>
+                            </a:rPr>
+                            <m:t>𝑎</m:t>
+                          </m:r>
+                        </m:e>
+                        <m:sub>
+                          <m:r>
+                            <a:rPr lang="en-US" b="0" i="1" smtClean="0">
+                              <a:latin typeface="Cambria Math" panose="02040503050406030204" pitchFamily="18" charset="0"/>
+                            </a:rPr>
+                            <m:t>2</m:t>
+                          </m:r>
+                        </m:sub>
+                      </m:sSub>
+                    </m:oMath>
+                  </m:oMathPara>
+                </a14:m>
+                <a:endParaRPr lang="en-US" b="0" dirty="0"/>
+              </a:p>
+            </p:txBody>
+          </p:sp>
+        </mc:Choice>
+        <mc:Fallback>
+          <p:sp>
+            <p:nvSpPr>
+              <p:cNvPr id="22" name="TextBox 21">
+                <a:extLst>
+                  <a:ext uri="{FF2B5EF4-FFF2-40B4-BE49-F238E27FC236}">
+                    <a16:creationId xmlns:a16="http://schemas.microsoft.com/office/drawing/2014/main" id="{1D05FC21-A63F-F648-A8D4-412B260ED7D1}"/>
+                  </a:ext>
+                </a:extLst>
+              </p:cNvPr>
+              <p:cNvSpPr txBox="1">
+                <a:spLocks noRot="1" noChangeAspect="1" noMove="1" noResize="1" noEditPoints="1" noAdjustHandles="1" noChangeArrowheads="1" noChangeShapeType="1" noTextEdit="1"/>
+              </p:cNvSpPr>
+              <p:nvPr/>
+            </p:nvSpPr>
+            <p:spPr>
+              <a:xfrm>
+                <a:off x="6000226" y="2869035"/>
+                <a:ext cx="461394" cy="369332"/>
+              </a:xfrm>
+              <a:prstGeom prst="rect">
+                <a:avLst/>
+              </a:prstGeom>
+              <a:blipFill>
+                <a:blip r:embed="rId8"/>
+                <a:stretch>
+                  <a:fillRect/>
+                </a:stretch>
+              </a:blipFill>
+            </p:spPr>
+            <p:txBody>
+              <a:bodyPr/>
+              <a:lstStyle/>
+              <a:p>
+                <a:r>
+                  <a:rPr lang="en-US">
+                    <a:noFill/>
+                  </a:rPr>
+                  <a:t> </a:t>
+                </a:r>
+              </a:p>
+            </p:txBody>
+          </p:sp>
+        </mc:Fallback>
+      </mc:AlternateContent>
+      <p:cxnSp>
+        <p:nvCxnSpPr>
+          <p:cNvPr id="24" name="Curved Connector 23">
+            <a:extLst>
+              <a:ext uri="{FF2B5EF4-FFF2-40B4-BE49-F238E27FC236}">
+                <a16:creationId xmlns:a16="http://schemas.microsoft.com/office/drawing/2014/main" id="{D4FD448C-2441-224B-8732-FC0142E7F731}"/>
+              </a:ext>
+            </a:extLst>
+          </p:cNvPr>
+          <p:cNvCxnSpPr>
+            <a:stCxn id="5" idx="0"/>
+            <a:endCxn id="4" idx="0"/>
+          </p:cNvCxnSpPr>
+          <p:nvPr/>
+        </p:nvCxnSpPr>
+        <p:spPr>
+          <a:xfrm rot="16200000" flipV="1">
+            <a:off x="2211198" y="2113327"/>
+            <a:ext cx="12700" cy="1511416"/>
+          </a:xfrm>
+          <a:prstGeom prst="curvedConnector3">
+            <a:avLst>
+              <a:gd name="adj1" fmla="val 2328441"/>
+            </a:avLst>
+          </a:prstGeom>
+          <a:ln>
+            <a:tailEnd type="triangle"/>
+          </a:ln>
+        </p:spPr>
+        <p:style>
+          <a:lnRef idx="1">
+            <a:schemeClr val="accent1"/>
+          </a:lnRef>
+          <a:fillRef idx="0">
+            <a:schemeClr val="accent1"/>
+          </a:fillRef>
+          <a:effectRef idx="0">
+            <a:schemeClr val="accent1"/>
+          </a:effectRef>
+          <a:fontRef idx="minor">
+            <a:schemeClr val="tx1"/>
+          </a:fontRef>
+        </p:style>
+      </p:cxnSp>
+      <mc:AlternateContent xmlns:mc="http://schemas.openxmlformats.org/markup-compatibility/2006">
+        <mc:Choice xmlns:a14="http://schemas.microsoft.com/office/drawing/2010/main" Requires="a14">
+          <p:sp>
+            <p:nvSpPr>
+              <p:cNvPr id="25" name="TextBox 24">
+                <a:extLst>
+                  <a:ext uri="{FF2B5EF4-FFF2-40B4-BE49-F238E27FC236}">
+                    <a16:creationId xmlns:a16="http://schemas.microsoft.com/office/drawing/2014/main" id="{28C25E81-FD3D-0F4C-9292-BFE83A8E6E51}"/>
+                  </a:ext>
+                </a:extLst>
+              </p:cNvPr>
+              <p:cNvSpPr txBox="1"/>
+              <p:nvPr/>
+            </p:nvSpPr>
+            <p:spPr>
+              <a:xfrm>
+                <a:off x="1980501" y="2237597"/>
+                <a:ext cx="461394" cy="369332"/>
+              </a:xfrm>
+              <a:prstGeom prst="rect">
+                <a:avLst/>
+              </a:prstGeom>
+              <a:noFill/>
+            </p:spPr>
+            <p:txBody>
+              <a:bodyPr wrap="square" rtlCol="0">
+                <a:spAutoFit/>
+              </a:bodyPr>
+              <a:lstStyle/>
+              <a:p>
+                <a14:m>
+                  <m:oMathPara xmlns:m="http://schemas.openxmlformats.org/officeDocument/2006/math">
+                    <m:oMathParaPr>
+                      <m:jc m:val="centerGroup"/>
+                    </m:oMathParaPr>
+                    <m:oMath xmlns:m="http://schemas.openxmlformats.org/officeDocument/2006/math">
+                      <m:sSub>
+                        <m:sSubPr>
+                          <m:ctrlPr>
+                            <a:rPr lang="en-US" b="0" i="1" smtClean="0">
+                              <a:latin typeface="Cambria Math" panose="02040503050406030204" pitchFamily="18" charset="0"/>
+                            </a:rPr>
+                          </m:ctrlPr>
+                        </m:sSubPr>
+                        <m:e>
+                          <m:r>
+                            <a:rPr lang="en-US" b="0" i="1" smtClean="0">
+                              <a:latin typeface="Cambria Math" panose="02040503050406030204" pitchFamily="18" charset="0"/>
+                            </a:rPr>
+                            <m:t>𝑎</m:t>
+                          </m:r>
+                        </m:e>
+                        <m:sub>
+                          <m:r>
+                            <a:rPr lang="en-US" b="0" i="1" smtClean="0">
+                              <a:latin typeface="Cambria Math" panose="02040503050406030204" pitchFamily="18" charset="0"/>
+                            </a:rPr>
+                            <m:t>1</m:t>
+                          </m:r>
+                        </m:sub>
+                      </m:sSub>
+                    </m:oMath>
+                  </m:oMathPara>
+                </a14:m>
+                <a:endParaRPr lang="en-US" b="0" dirty="0"/>
+              </a:p>
+            </p:txBody>
+          </p:sp>
+        </mc:Choice>
+        <mc:Fallback>
+          <p:sp>
+            <p:nvSpPr>
+              <p:cNvPr id="25" name="TextBox 24">
+                <a:extLst>
+                  <a:ext uri="{FF2B5EF4-FFF2-40B4-BE49-F238E27FC236}">
+                    <a16:creationId xmlns:a16="http://schemas.microsoft.com/office/drawing/2014/main" id="{28C25E81-FD3D-0F4C-9292-BFE83A8E6E51}"/>
+                  </a:ext>
+                </a:extLst>
+              </p:cNvPr>
+              <p:cNvSpPr txBox="1">
+                <a:spLocks noRot="1" noChangeAspect="1" noMove="1" noResize="1" noEditPoints="1" noAdjustHandles="1" noChangeArrowheads="1" noChangeShapeType="1" noTextEdit="1"/>
+              </p:cNvSpPr>
+              <p:nvPr/>
+            </p:nvSpPr>
+            <p:spPr>
+              <a:xfrm>
+                <a:off x="1980501" y="2237597"/>
+                <a:ext cx="461394" cy="369332"/>
+              </a:xfrm>
+              <a:prstGeom prst="rect">
+                <a:avLst/>
+              </a:prstGeom>
+              <a:blipFill>
+                <a:blip r:embed="rId9"/>
+                <a:stretch>
+                  <a:fillRect/>
+                </a:stretch>
+              </a:blipFill>
+            </p:spPr>
+            <p:txBody>
+              <a:bodyPr/>
+              <a:lstStyle/>
+              <a:p>
+                <a:r>
+                  <a:rPr lang="en-US">
+                    <a:noFill/>
+                  </a:rPr>
+                  <a:t> </a:t>
+                </a:r>
+              </a:p>
+            </p:txBody>
+          </p:sp>
+        </mc:Fallback>
+      </mc:AlternateContent>
+      <p:cxnSp>
+        <p:nvCxnSpPr>
+          <p:cNvPr id="33" name="Curved Connector 32">
+            <a:extLst>
+              <a:ext uri="{FF2B5EF4-FFF2-40B4-BE49-F238E27FC236}">
+                <a16:creationId xmlns:a16="http://schemas.microsoft.com/office/drawing/2014/main" id="{640F9BC7-1461-BB4C-83DB-F38B9EF03E7E}"/>
+              </a:ext>
+            </a:extLst>
+          </p:cNvPr>
+          <p:cNvCxnSpPr>
+            <a:stCxn id="4" idx="1"/>
+            <a:endCxn id="4" idx="3"/>
+          </p:cNvCxnSpPr>
+          <p:nvPr/>
+        </p:nvCxnSpPr>
+        <p:spPr>
+          <a:xfrm rot="16200000" flipH="1">
+            <a:off x="832640" y="3309457"/>
+            <a:ext cx="622850" cy="12700"/>
+          </a:xfrm>
+          <a:prstGeom prst="curvedConnector5">
+            <a:avLst>
+              <a:gd name="adj1" fmla="val -36702"/>
+              <a:gd name="adj2" fmla="val -5441150"/>
+              <a:gd name="adj3" fmla="val 136702"/>
+            </a:avLst>
+          </a:prstGeom>
+          <a:ln>
+            <a:tailEnd type="triangle"/>
+          </a:ln>
+        </p:spPr>
+        <p:style>
+          <a:lnRef idx="1">
+            <a:schemeClr val="accent1"/>
+          </a:lnRef>
+          <a:fillRef idx="0">
+            <a:schemeClr val="accent1"/>
+          </a:fillRef>
+          <a:effectRef idx="0">
+            <a:schemeClr val="accent1"/>
+          </a:effectRef>
+          <a:fontRef idx="minor">
+            <a:schemeClr val="tx1"/>
+          </a:fontRef>
+        </p:style>
+      </p:cxnSp>
+      <mc:AlternateContent xmlns:mc="http://schemas.openxmlformats.org/markup-compatibility/2006">
+        <mc:Choice xmlns:a14="http://schemas.microsoft.com/office/drawing/2010/main" Requires="a14">
+          <p:sp>
+            <p:nvSpPr>
+              <p:cNvPr id="35" name="TextBox 34">
+                <a:extLst>
+                  <a:ext uri="{FF2B5EF4-FFF2-40B4-BE49-F238E27FC236}">
+                    <a16:creationId xmlns:a16="http://schemas.microsoft.com/office/drawing/2014/main" id="{9CD6B44C-5BFE-3348-B35E-7A359938852B}"/>
+                  </a:ext>
+                </a:extLst>
+              </p:cNvPr>
+              <p:cNvSpPr txBox="1"/>
+              <p:nvPr/>
+            </p:nvSpPr>
+            <p:spPr>
+              <a:xfrm>
+                <a:off x="52432" y="3085102"/>
+                <a:ext cx="461394" cy="369332"/>
+              </a:xfrm>
+              <a:prstGeom prst="rect">
+                <a:avLst/>
+              </a:prstGeom>
+              <a:noFill/>
+            </p:spPr>
+            <p:txBody>
+              <a:bodyPr wrap="square" rtlCol="0">
+                <a:spAutoFit/>
+              </a:bodyPr>
+              <a:lstStyle/>
+              <a:p>
+                <a14:m>
+                  <m:oMathPara xmlns:m="http://schemas.openxmlformats.org/officeDocument/2006/math">
+                    <m:oMathParaPr>
+                      <m:jc m:val="centerGroup"/>
+                    </m:oMathParaPr>
+                    <m:oMath xmlns:m="http://schemas.openxmlformats.org/officeDocument/2006/math">
+                      <m:sSub>
+                        <m:sSubPr>
+                          <m:ctrlPr>
+                            <a:rPr lang="en-US" b="0" i="1" smtClean="0">
+                              <a:latin typeface="Cambria Math" panose="02040503050406030204" pitchFamily="18" charset="0"/>
+                            </a:rPr>
+                          </m:ctrlPr>
+                        </m:sSubPr>
+                        <m:e>
+                          <m:r>
+                            <a:rPr lang="en-US" b="0" i="1" smtClean="0">
+                              <a:latin typeface="Cambria Math" panose="02040503050406030204" pitchFamily="18" charset="0"/>
+                            </a:rPr>
+                            <m:t>𝑎</m:t>
+                          </m:r>
+                        </m:e>
+                        <m:sub>
+                          <m:r>
+                            <a:rPr lang="en-US" b="0" i="1" smtClean="0">
+                              <a:latin typeface="Cambria Math" panose="02040503050406030204" pitchFamily="18" charset="0"/>
+                            </a:rPr>
+                            <m:t>1</m:t>
+                          </m:r>
+                        </m:sub>
+                      </m:sSub>
+                    </m:oMath>
+                  </m:oMathPara>
+                </a14:m>
+                <a:endParaRPr lang="en-US" b="0" dirty="0"/>
+              </a:p>
+            </p:txBody>
+          </p:sp>
+        </mc:Choice>
+        <mc:Fallback>
+          <p:sp>
+            <p:nvSpPr>
+              <p:cNvPr id="35" name="TextBox 34">
+                <a:extLst>
+                  <a:ext uri="{FF2B5EF4-FFF2-40B4-BE49-F238E27FC236}">
+                    <a16:creationId xmlns:a16="http://schemas.microsoft.com/office/drawing/2014/main" id="{9CD6B44C-5BFE-3348-B35E-7A359938852B}"/>
+                  </a:ext>
+                </a:extLst>
+              </p:cNvPr>
+              <p:cNvSpPr txBox="1">
+                <a:spLocks noRot="1" noChangeAspect="1" noMove="1" noResize="1" noEditPoints="1" noAdjustHandles="1" noChangeArrowheads="1" noChangeShapeType="1" noTextEdit="1"/>
+              </p:cNvSpPr>
+              <p:nvPr/>
+            </p:nvSpPr>
+            <p:spPr>
+              <a:xfrm>
+                <a:off x="52432" y="3085102"/>
+                <a:ext cx="461394" cy="369332"/>
+              </a:xfrm>
+              <a:prstGeom prst="rect">
+                <a:avLst/>
+              </a:prstGeom>
+              <a:blipFill>
+                <a:blip r:embed="rId10"/>
+                <a:stretch>
+                  <a:fillRect/>
+                </a:stretch>
+              </a:blipFill>
+            </p:spPr>
+            <p:txBody>
+              <a:bodyPr/>
+              <a:lstStyle/>
+              <a:p>
+                <a:r>
+                  <a:rPr lang="en-US">
+                    <a:noFill/>
+                  </a:rPr>
+                  <a:t> </a:t>
+                </a:r>
+              </a:p>
+            </p:txBody>
+          </p:sp>
+        </mc:Fallback>
+      </mc:AlternateContent>
+      <p:cxnSp>
+        <p:nvCxnSpPr>
+          <p:cNvPr id="37" name="Curved Connector 36">
+            <a:extLst>
+              <a:ext uri="{FF2B5EF4-FFF2-40B4-BE49-F238E27FC236}">
+                <a16:creationId xmlns:a16="http://schemas.microsoft.com/office/drawing/2014/main" id="{3E7A9752-8A1C-E847-A3CE-0FF71EF8553C}"/>
+              </a:ext>
+            </a:extLst>
+          </p:cNvPr>
+          <p:cNvCxnSpPr>
+            <a:stCxn id="6" idx="0"/>
+            <a:endCxn id="4" idx="0"/>
+          </p:cNvCxnSpPr>
+          <p:nvPr/>
+        </p:nvCxnSpPr>
+        <p:spPr>
+          <a:xfrm rot="16200000" flipV="1">
+            <a:off x="2966906" y="1357619"/>
+            <a:ext cx="12700" cy="3022832"/>
+          </a:xfrm>
+          <a:prstGeom prst="curvedConnector3">
+            <a:avLst>
+              <a:gd name="adj1" fmla="val 7216512"/>
+            </a:avLst>
+          </a:prstGeom>
+          <a:ln>
+            <a:tailEnd type="triangle"/>
+          </a:ln>
+        </p:spPr>
+        <p:style>
+          <a:lnRef idx="1">
+            <a:schemeClr val="accent1"/>
+          </a:lnRef>
+          <a:fillRef idx="0">
+            <a:schemeClr val="accent1"/>
+          </a:fillRef>
+          <a:effectRef idx="0">
+            <a:schemeClr val="accent1"/>
+          </a:effectRef>
+          <a:fontRef idx="minor">
+            <a:schemeClr val="tx1"/>
+          </a:fontRef>
+        </p:style>
+      </p:cxnSp>
+      <mc:AlternateContent xmlns:mc="http://schemas.openxmlformats.org/markup-compatibility/2006">
+        <mc:Choice xmlns:a14="http://schemas.microsoft.com/office/drawing/2010/main" Requires="a14">
+          <p:sp>
+            <p:nvSpPr>
+              <p:cNvPr id="40" name="TextBox 39">
+                <a:extLst>
+                  <a:ext uri="{FF2B5EF4-FFF2-40B4-BE49-F238E27FC236}">
+                    <a16:creationId xmlns:a16="http://schemas.microsoft.com/office/drawing/2014/main" id="{A756B8C6-752B-0D46-BD17-78F66D747FE9}"/>
+                  </a:ext>
+                </a:extLst>
+              </p:cNvPr>
+              <p:cNvSpPr txBox="1"/>
+              <p:nvPr/>
+            </p:nvSpPr>
+            <p:spPr>
+              <a:xfrm>
+                <a:off x="2736209" y="1534320"/>
+                <a:ext cx="461394" cy="369332"/>
+              </a:xfrm>
+              <a:prstGeom prst="rect">
+                <a:avLst/>
+              </a:prstGeom>
+              <a:noFill/>
+            </p:spPr>
+            <p:txBody>
+              <a:bodyPr wrap="square" rtlCol="0">
+                <a:spAutoFit/>
+              </a:bodyPr>
+              <a:lstStyle/>
+              <a:p>
+                <a14:m>
+                  <m:oMathPara xmlns:m="http://schemas.openxmlformats.org/officeDocument/2006/math">
+                    <m:oMathParaPr>
+                      <m:jc m:val="centerGroup"/>
+                    </m:oMathParaPr>
+                    <m:oMath xmlns:m="http://schemas.openxmlformats.org/officeDocument/2006/math">
+                      <m:sSub>
+                        <m:sSubPr>
+                          <m:ctrlPr>
+                            <a:rPr lang="en-US" b="0" i="1" smtClean="0">
+                              <a:latin typeface="Cambria Math" panose="02040503050406030204" pitchFamily="18" charset="0"/>
+                            </a:rPr>
+                          </m:ctrlPr>
+                        </m:sSubPr>
+                        <m:e>
+                          <m:r>
+                            <a:rPr lang="en-US" b="0" i="1" smtClean="0">
+                              <a:latin typeface="Cambria Math" panose="02040503050406030204" pitchFamily="18" charset="0"/>
+                            </a:rPr>
+                            <m:t>𝑎</m:t>
+                          </m:r>
+                        </m:e>
+                        <m:sub>
+                          <m:r>
+                            <a:rPr lang="en-US" b="0" i="1" smtClean="0">
+                              <a:latin typeface="Cambria Math" panose="02040503050406030204" pitchFamily="18" charset="0"/>
+                            </a:rPr>
+                            <m:t>1</m:t>
+                          </m:r>
+                        </m:sub>
+                      </m:sSub>
+                    </m:oMath>
+                  </m:oMathPara>
+                </a14:m>
+                <a:endParaRPr lang="en-US" b="0" dirty="0"/>
+              </a:p>
+            </p:txBody>
+          </p:sp>
+        </mc:Choice>
+        <mc:Fallback>
+          <p:sp>
+            <p:nvSpPr>
+              <p:cNvPr id="40" name="TextBox 39">
+                <a:extLst>
+                  <a:ext uri="{FF2B5EF4-FFF2-40B4-BE49-F238E27FC236}">
+                    <a16:creationId xmlns:a16="http://schemas.microsoft.com/office/drawing/2014/main" id="{A756B8C6-752B-0D46-BD17-78F66D747FE9}"/>
+                  </a:ext>
+                </a:extLst>
+              </p:cNvPr>
+              <p:cNvSpPr txBox="1">
+                <a:spLocks noRot="1" noChangeAspect="1" noMove="1" noResize="1" noEditPoints="1" noAdjustHandles="1" noChangeArrowheads="1" noChangeShapeType="1" noTextEdit="1"/>
+              </p:cNvSpPr>
+              <p:nvPr/>
+            </p:nvSpPr>
+            <p:spPr>
+              <a:xfrm>
+                <a:off x="2736209" y="1534320"/>
+                <a:ext cx="461394" cy="369332"/>
+              </a:xfrm>
+              <a:prstGeom prst="rect">
+                <a:avLst/>
+              </a:prstGeom>
+              <a:blipFill>
+                <a:blip r:embed="rId11"/>
+                <a:stretch>
+                  <a:fillRect/>
+                </a:stretch>
+              </a:blipFill>
+            </p:spPr>
+            <p:txBody>
+              <a:bodyPr/>
+              <a:lstStyle/>
+              <a:p>
+                <a:r>
+                  <a:rPr lang="en-US">
+                    <a:noFill/>
+                  </a:rPr>
+                  <a:t> </a:t>
+                </a:r>
+              </a:p>
+            </p:txBody>
+          </p:sp>
+        </mc:Fallback>
+      </mc:AlternateContent>
+    </p:spTree>
+    <p:extLst>
+      <p:ext uri="{BB962C8B-B14F-4D97-AF65-F5344CB8AC3E}">
+        <p14:creationId xmlns:p14="http://schemas.microsoft.com/office/powerpoint/2010/main" val="3817955411"/>
+      </p:ext>
+    </p:extLst>
+  </p:cSld>
+  <p:clrMapOvr>
+    <a:masterClrMapping/>
+  </p:clrMapOvr>
+</p:sld>
+</file>
+
 <file path=ppt/theme/theme1.xml><?xml version="1.0" encoding="utf-8"?>
 <a:theme xmlns:a="http://schemas.openxmlformats.org/drawingml/2006/main" name="Office Theme">
   <a:themeElements>
